--- a/JavaScriptAI/images/Images.pptx
+++ b/JavaScriptAI/images/Images.pptx
@@ -7,6 +7,7 @@
   <p:sldIdLst>
     <p:sldId id="256" r:id="rId2"/>
     <p:sldId id="257" r:id="rId3"/>
+    <p:sldId id="258" r:id="rId4"/>
   </p:sldIdLst>
   <p:sldSz cx="12192000" cy="6858000"/>
   <p:notesSz cx="6858000" cy="9144000"/>
@@ -10031,6 +10032,1943 @@
 </p:sld>
 </file>
 
+<file path=ppt/slides/slide3.xml><?xml version="1.0" encoding="utf-8"?>
+<p:sld xmlns:a="http://schemas.openxmlformats.org/drawingml/2006/main" xmlns:r="http://schemas.openxmlformats.org/officeDocument/2006/relationships" xmlns:p="http://schemas.openxmlformats.org/presentationml/2006/main">
+  <p:cSld>
+    <p:spTree>
+      <p:nvGrpSpPr>
+        <p:cNvPr id="1" name=""/>
+        <p:cNvGrpSpPr/>
+        <p:nvPr/>
+      </p:nvGrpSpPr>
+      <p:grpSpPr>
+        <a:xfrm>
+          <a:off x="0" y="0"/>
+          <a:ext cx="0" cy="0"/>
+          <a:chOff x="0" y="0"/>
+          <a:chExt cx="0" cy="0"/>
+        </a:xfrm>
+      </p:grpSpPr>
+      <p:sp>
+        <p:nvSpPr>
+          <p:cNvPr id="102402" name="Rectangle 2"/>
+          <p:cNvSpPr>
+            <a:spLocks noGrp="1" noChangeArrowheads="1"/>
+          </p:cNvSpPr>
+          <p:nvPr>
+            <p:ph type="title"/>
+          </p:nvPr>
+        </p:nvSpPr>
+        <p:spPr/>
+        <p:txBody>
+          <a:bodyPr/>
+          <a:lstStyle/>
+          <a:p>
+            <a:r>
+              <a:rPr lang="es-AR" altLang="en-US" dirty="0" smtClean="0"/>
+              <a:t>Artificial </a:t>
+            </a:r>
+            <a:r>
+              <a:rPr lang="es-AR" altLang="en-US" dirty="0" err="1" smtClean="0"/>
+              <a:t>Neuron</a:t>
+            </a:r>
+            <a:endParaRPr lang="es-ES" altLang="en-US" dirty="0" smtClean="0"/>
+          </a:p>
+        </p:txBody>
+      </p:sp>
+      <p:sp>
+        <p:nvSpPr>
+          <p:cNvPr id="102403" name="Rectangle 3"/>
+          <p:cNvSpPr>
+            <a:spLocks noChangeArrowheads="1"/>
+          </p:cNvSpPr>
+          <p:nvPr/>
+        </p:nvSpPr>
+        <p:spPr bwMode="auto">
+          <a:xfrm>
+            <a:off x="2971800" y="1905000"/>
+            <a:ext cx="762000" cy="609600"/>
+          </a:xfrm>
+          <a:prstGeom prst="rect">
+            <a:avLst/>
+          </a:prstGeom>
+          <a:solidFill>
+            <a:srgbClr val="3CB616"/>
+          </a:solidFill>
+          <a:ln w="9525">
+            <a:solidFill>
+              <a:schemeClr val="tx1"/>
+            </a:solidFill>
+            <a:miter lim="800000"/>
+            <a:headEnd/>
+            <a:tailEnd/>
+          </a:ln>
+        </p:spPr>
+        <p:txBody>
+          <a:bodyPr wrap="none" anchor="ctr"/>
+          <a:lstStyle>
+            <a:lvl1pPr>
+              <a:defRPr>
+                <a:solidFill>
+                  <a:schemeClr val="tx1"/>
+                </a:solidFill>
+                <a:latin typeface="Calibri" panose="020F0502020204030204" pitchFamily="34" charset="0"/>
+              </a:defRPr>
+            </a:lvl1pPr>
+            <a:lvl2pPr marL="742950" indent="-285750">
+              <a:defRPr>
+                <a:solidFill>
+                  <a:schemeClr val="tx1"/>
+                </a:solidFill>
+                <a:latin typeface="Calibri" panose="020F0502020204030204" pitchFamily="34" charset="0"/>
+              </a:defRPr>
+            </a:lvl2pPr>
+            <a:lvl3pPr marL="1143000" indent="-228600">
+              <a:defRPr>
+                <a:solidFill>
+                  <a:schemeClr val="tx1"/>
+                </a:solidFill>
+                <a:latin typeface="Calibri" panose="020F0502020204030204" pitchFamily="34" charset="0"/>
+              </a:defRPr>
+            </a:lvl3pPr>
+            <a:lvl4pPr marL="1600200" indent="-228600">
+              <a:defRPr>
+                <a:solidFill>
+                  <a:schemeClr val="tx1"/>
+                </a:solidFill>
+                <a:latin typeface="Calibri" panose="020F0502020204030204" pitchFamily="34" charset="0"/>
+              </a:defRPr>
+            </a:lvl4pPr>
+            <a:lvl5pPr marL="2057400" indent="-228600">
+              <a:defRPr>
+                <a:solidFill>
+                  <a:schemeClr val="tx1"/>
+                </a:solidFill>
+                <a:latin typeface="Calibri" panose="020F0502020204030204" pitchFamily="34" charset="0"/>
+              </a:defRPr>
+            </a:lvl5pPr>
+            <a:lvl6pPr marL="2514600" indent="-228600" fontAlgn="base">
+              <a:spcBef>
+                <a:spcPct val="0"/>
+              </a:spcBef>
+              <a:spcAft>
+                <a:spcPct val="0"/>
+              </a:spcAft>
+              <a:defRPr>
+                <a:solidFill>
+                  <a:schemeClr val="tx1"/>
+                </a:solidFill>
+                <a:latin typeface="Calibri" panose="020F0502020204030204" pitchFamily="34" charset="0"/>
+              </a:defRPr>
+            </a:lvl6pPr>
+            <a:lvl7pPr marL="2971800" indent="-228600" fontAlgn="base">
+              <a:spcBef>
+                <a:spcPct val="0"/>
+              </a:spcBef>
+              <a:spcAft>
+                <a:spcPct val="0"/>
+              </a:spcAft>
+              <a:defRPr>
+                <a:solidFill>
+                  <a:schemeClr val="tx1"/>
+                </a:solidFill>
+                <a:latin typeface="Calibri" panose="020F0502020204030204" pitchFamily="34" charset="0"/>
+              </a:defRPr>
+            </a:lvl7pPr>
+            <a:lvl8pPr marL="3429000" indent="-228600" fontAlgn="base">
+              <a:spcBef>
+                <a:spcPct val="0"/>
+              </a:spcBef>
+              <a:spcAft>
+                <a:spcPct val="0"/>
+              </a:spcAft>
+              <a:defRPr>
+                <a:solidFill>
+                  <a:schemeClr val="tx1"/>
+                </a:solidFill>
+                <a:latin typeface="Calibri" panose="020F0502020204030204" pitchFamily="34" charset="0"/>
+              </a:defRPr>
+            </a:lvl8pPr>
+            <a:lvl9pPr marL="3886200" indent="-228600" fontAlgn="base">
+              <a:spcBef>
+                <a:spcPct val="0"/>
+              </a:spcBef>
+              <a:spcAft>
+                <a:spcPct val="0"/>
+              </a:spcAft>
+              <a:defRPr>
+                <a:solidFill>
+                  <a:schemeClr val="tx1"/>
+                </a:solidFill>
+                <a:latin typeface="Calibri" panose="020F0502020204030204" pitchFamily="34" charset="0"/>
+              </a:defRPr>
+            </a:lvl9pPr>
+          </a:lstStyle>
+          <a:p>
+            <a:pPr algn="ctr"/>
+            <a:r>
+              <a:rPr lang="es-AR" altLang="en-US">
+                <a:latin typeface="Tahoma" panose="020B0604030504040204" pitchFamily="34" charset="0"/>
+              </a:rPr>
+              <a:t>x1</a:t>
+            </a:r>
+            <a:endParaRPr lang="es-ES" altLang="en-US">
+              <a:latin typeface="Tahoma" panose="020B0604030504040204" pitchFamily="34" charset="0"/>
+            </a:endParaRPr>
+          </a:p>
+        </p:txBody>
+      </p:sp>
+      <p:sp>
+        <p:nvSpPr>
+          <p:cNvPr id="102404" name="Rectangle 4"/>
+          <p:cNvSpPr>
+            <a:spLocks noChangeArrowheads="1"/>
+          </p:cNvSpPr>
+          <p:nvPr/>
+        </p:nvSpPr>
+        <p:spPr bwMode="auto">
+          <a:xfrm>
+            <a:off x="2971800" y="2743200"/>
+            <a:ext cx="762000" cy="609600"/>
+          </a:xfrm>
+          <a:prstGeom prst="rect">
+            <a:avLst/>
+          </a:prstGeom>
+          <a:solidFill>
+            <a:srgbClr val="3CB616"/>
+          </a:solidFill>
+          <a:ln w="9525">
+            <a:solidFill>
+              <a:schemeClr val="tx1"/>
+            </a:solidFill>
+            <a:miter lim="800000"/>
+            <a:headEnd/>
+            <a:tailEnd/>
+          </a:ln>
+        </p:spPr>
+        <p:txBody>
+          <a:bodyPr wrap="none" anchor="ctr"/>
+          <a:lstStyle>
+            <a:lvl1pPr>
+              <a:defRPr>
+                <a:solidFill>
+                  <a:schemeClr val="tx1"/>
+                </a:solidFill>
+                <a:latin typeface="Calibri" panose="020F0502020204030204" pitchFamily="34" charset="0"/>
+              </a:defRPr>
+            </a:lvl1pPr>
+            <a:lvl2pPr marL="742950" indent="-285750">
+              <a:defRPr>
+                <a:solidFill>
+                  <a:schemeClr val="tx1"/>
+                </a:solidFill>
+                <a:latin typeface="Calibri" panose="020F0502020204030204" pitchFamily="34" charset="0"/>
+              </a:defRPr>
+            </a:lvl2pPr>
+            <a:lvl3pPr marL="1143000" indent="-228600">
+              <a:defRPr>
+                <a:solidFill>
+                  <a:schemeClr val="tx1"/>
+                </a:solidFill>
+                <a:latin typeface="Calibri" panose="020F0502020204030204" pitchFamily="34" charset="0"/>
+              </a:defRPr>
+            </a:lvl3pPr>
+            <a:lvl4pPr marL="1600200" indent="-228600">
+              <a:defRPr>
+                <a:solidFill>
+                  <a:schemeClr val="tx1"/>
+                </a:solidFill>
+                <a:latin typeface="Calibri" panose="020F0502020204030204" pitchFamily="34" charset="0"/>
+              </a:defRPr>
+            </a:lvl4pPr>
+            <a:lvl5pPr marL="2057400" indent="-228600">
+              <a:defRPr>
+                <a:solidFill>
+                  <a:schemeClr val="tx1"/>
+                </a:solidFill>
+                <a:latin typeface="Calibri" panose="020F0502020204030204" pitchFamily="34" charset="0"/>
+              </a:defRPr>
+            </a:lvl5pPr>
+            <a:lvl6pPr marL="2514600" indent="-228600" fontAlgn="base">
+              <a:spcBef>
+                <a:spcPct val="0"/>
+              </a:spcBef>
+              <a:spcAft>
+                <a:spcPct val="0"/>
+              </a:spcAft>
+              <a:defRPr>
+                <a:solidFill>
+                  <a:schemeClr val="tx1"/>
+                </a:solidFill>
+                <a:latin typeface="Calibri" panose="020F0502020204030204" pitchFamily="34" charset="0"/>
+              </a:defRPr>
+            </a:lvl6pPr>
+            <a:lvl7pPr marL="2971800" indent="-228600" fontAlgn="base">
+              <a:spcBef>
+                <a:spcPct val="0"/>
+              </a:spcBef>
+              <a:spcAft>
+                <a:spcPct val="0"/>
+              </a:spcAft>
+              <a:defRPr>
+                <a:solidFill>
+                  <a:schemeClr val="tx1"/>
+                </a:solidFill>
+                <a:latin typeface="Calibri" panose="020F0502020204030204" pitchFamily="34" charset="0"/>
+              </a:defRPr>
+            </a:lvl7pPr>
+            <a:lvl8pPr marL="3429000" indent="-228600" fontAlgn="base">
+              <a:spcBef>
+                <a:spcPct val="0"/>
+              </a:spcBef>
+              <a:spcAft>
+                <a:spcPct val="0"/>
+              </a:spcAft>
+              <a:defRPr>
+                <a:solidFill>
+                  <a:schemeClr val="tx1"/>
+                </a:solidFill>
+                <a:latin typeface="Calibri" panose="020F0502020204030204" pitchFamily="34" charset="0"/>
+              </a:defRPr>
+            </a:lvl8pPr>
+            <a:lvl9pPr marL="3886200" indent="-228600" fontAlgn="base">
+              <a:spcBef>
+                <a:spcPct val="0"/>
+              </a:spcBef>
+              <a:spcAft>
+                <a:spcPct val="0"/>
+              </a:spcAft>
+              <a:defRPr>
+                <a:solidFill>
+                  <a:schemeClr val="tx1"/>
+                </a:solidFill>
+                <a:latin typeface="Calibri" panose="020F0502020204030204" pitchFamily="34" charset="0"/>
+              </a:defRPr>
+            </a:lvl9pPr>
+          </a:lstStyle>
+          <a:p>
+            <a:pPr algn="ctr"/>
+            <a:r>
+              <a:rPr lang="es-AR" altLang="en-US">
+                <a:latin typeface="Tahoma" panose="020B0604030504040204" pitchFamily="34" charset="0"/>
+              </a:rPr>
+              <a:t>x2</a:t>
+            </a:r>
+            <a:endParaRPr lang="es-ES" altLang="en-US">
+              <a:latin typeface="Tahoma" panose="020B0604030504040204" pitchFamily="34" charset="0"/>
+            </a:endParaRPr>
+          </a:p>
+        </p:txBody>
+      </p:sp>
+      <p:sp>
+        <p:nvSpPr>
+          <p:cNvPr id="102405" name="Rectangle 5"/>
+          <p:cNvSpPr>
+            <a:spLocks noChangeArrowheads="1"/>
+          </p:cNvSpPr>
+          <p:nvPr/>
+        </p:nvSpPr>
+        <p:spPr bwMode="auto">
+          <a:xfrm>
+            <a:off x="2971800" y="3657600"/>
+            <a:ext cx="762000" cy="609600"/>
+          </a:xfrm>
+          <a:prstGeom prst="rect">
+            <a:avLst/>
+          </a:prstGeom>
+          <a:solidFill>
+            <a:srgbClr val="3CB616"/>
+          </a:solidFill>
+          <a:ln w="9525">
+            <a:solidFill>
+              <a:schemeClr val="tx1"/>
+            </a:solidFill>
+            <a:miter lim="800000"/>
+            <a:headEnd/>
+            <a:tailEnd/>
+          </a:ln>
+        </p:spPr>
+        <p:txBody>
+          <a:bodyPr wrap="none" anchor="ctr"/>
+          <a:lstStyle>
+            <a:lvl1pPr>
+              <a:defRPr>
+                <a:solidFill>
+                  <a:schemeClr val="tx1"/>
+                </a:solidFill>
+                <a:latin typeface="Calibri" panose="020F0502020204030204" pitchFamily="34" charset="0"/>
+              </a:defRPr>
+            </a:lvl1pPr>
+            <a:lvl2pPr marL="742950" indent="-285750">
+              <a:defRPr>
+                <a:solidFill>
+                  <a:schemeClr val="tx1"/>
+                </a:solidFill>
+                <a:latin typeface="Calibri" panose="020F0502020204030204" pitchFamily="34" charset="0"/>
+              </a:defRPr>
+            </a:lvl2pPr>
+            <a:lvl3pPr marL="1143000" indent="-228600">
+              <a:defRPr>
+                <a:solidFill>
+                  <a:schemeClr val="tx1"/>
+                </a:solidFill>
+                <a:latin typeface="Calibri" panose="020F0502020204030204" pitchFamily="34" charset="0"/>
+              </a:defRPr>
+            </a:lvl3pPr>
+            <a:lvl4pPr marL="1600200" indent="-228600">
+              <a:defRPr>
+                <a:solidFill>
+                  <a:schemeClr val="tx1"/>
+                </a:solidFill>
+                <a:latin typeface="Calibri" panose="020F0502020204030204" pitchFamily="34" charset="0"/>
+              </a:defRPr>
+            </a:lvl4pPr>
+            <a:lvl5pPr marL="2057400" indent="-228600">
+              <a:defRPr>
+                <a:solidFill>
+                  <a:schemeClr val="tx1"/>
+                </a:solidFill>
+                <a:latin typeface="Calibri" panose="020F0502020204030204" pitchFamily="34" charset="0"/>
+              </a:defRPr>
+            </a:lvl5pPr>
+            <a:lvl6pPr marL="2514600" indent="-228600" fontAlgn="base">
+              <a:spcBef>
+                <a:spcPct val="0"/>
+              </a:spcBef>
+              <a:spcAft>
+                <a:spcPct val="0"/>
+              </a:spcAft>
+              <a:defRPr>
+                <a:solidFill>
+                  <a:schemeClr val="tx1"/>
+                </a:solidFill>
+                <a:latin typeface="Calibri" panose="020F0502020204030204" pitchFamily="34" charset="0"/>
+              </a:defRPr>
+            </a:lvl6pPr>
+            <a:lvl7pPr marL="2971800" indent="-228600" fontAlgn="base">
+              <a:spcBef>
+                <a:spcPct val="0"/>
+              </a:spcBef>
+              <a:spcAft>
+                <a:spcPct val="0"/>
+              </a:spcAft>
+              <a:defRPr>
+                <a:solidFill>
+                  <a:schemeClr val="tx1"/>
+                </a:solidFill>
+                <a:latin typeface="Calibri" panose="020F0502020204030204" pitchFamily="34" charset="0"/>
+              </a:defRPr>
+            </a:lvl7pPr>
+            <a:lvl8pPr marL="3429000" indent="-228600" fontAlgn="base">
+              <a:spcBef>
+                <a:spcPct val="0"/>
+              </a:spcBef>
+              <a:spcAft>
+                <a:spcPct val="0"/>
+              </a:spcAft>
+              <a:defRPr>
+                <a:solidFill>
+                  <a:schemeClr val="tx1"/>
+                </a:solidFill>
+                <a:latin typeface="Calibri" panose="020F0502020204030204" pitchFamily="34" charset="0"/>
+              </a:defRPr>
+            </a:lvl8pPr>
+            <a:lvl9pPr marL="3886200" indent="-228600" fontAlgn="base">
+              <a:spcBef>
+                <a:spcPct val="0"/>
+              </a:spcBef>
+              <a:spcAft>
+                <a:spcPct val="0"/>
+              </a:spcAft>
+              <a:defRPr>
+                <a:solidFill>
+                  <a:schemeClr val="tx1"/>
+                </a:solidFill>
+                <a:latin typeface="Calibri" panose="020F0502020204030204" pitchFamily="34" charset="0"/>
+              </a:defRPr>
+            </a:lvl9pPr>
+          </a:lstStyle>
+          <a:p>
+            <a:pPr algn="ctr"/>
+            <a:r>
+              <a:rPr lang="es-AR" altLang="en-US">
+                <a:latin typeface="Tahoma" panose="020B0604030504040204" pitchFamily="34" charset="0"/>
+              </a:rPr>
+              <a:t>x3</a:t>
+            </a:r>
+            <a:endParaRPr lang="es-ES" altLang="en-US">
+              <a:latin typeface="Tahoma" panose="020B0604030504040204" pitchFamily="34" charset="0"/>
+            </a:endParaRPr>
+          </a:p>
+        </p:txBody>
+      </p:sp>
+      <p:sp>
+        <p:nvSpPr>
+          <p:cNvPr id="102406" name="Text Box 6"/>
+          <p:cNvSpPr txBox="1">
+            <a:spLocks noChangeArrowheads="1"/>
+          </p:cNvSpPr>
+          <p:nvPr/>
+        </p:nvSpPr>
+        <p:spPr bwMode="auto">
+          <a:xfrm>
+            <a:off x="3184525" y="4757738"/>
+            <a:ext cx="396262" cy="369332"/>
+          </a:xfrm>
+          <a:prstGeom prst="rect">
+            <a:avLst/>
+          </a:prstGeom>
+          <a:noFill/>
+          <a:ln>
+            <a:noFill/>
+          </a:ln>
+          <a:extLst>
+            <a:ext uri="{909E8E84-426E-40DD-AFC4-6F175D3DCCD1}">
+              <a14:hiddenFill xmlns:a14="http://schemas.microsoft.com/office/drawing/2010/main">
+                <a:solidFill>
+                  <a:srgbClr val="FFFFFF"/>
+                </a:solidFill>
+              </a14:hiddenFill>
+            </a:ext>
+            <a:ext uri="{91240B29-F687-4F45-9708-019B960494DF}">
+              <a14:hiddenLine xmlns:a14="http://schemas.microsoft.com/office/drawing/2010/main" w="9525">
+                <a:solidFill>
+                  <a:srgbClr val="000000"/>
+                </a:solidFill>
+                <a:miter lim="800000"/>
+                <a:headEnd/>
+                <a:tailEnd/>
+              </a14:hiddenLine>
+            </a:ext>
+          </a:extLst>
+        </p:spPr>
+        <p:txBody>
+          <a:bodyPr wrap="none">
+            <a:spAutoFit/>
+          </a:bodyPr>
+          <a:lstStyle>
+            <a:lvl1pPr>
+              <a:defRPr>
+                <a:solidFill>
+                  <a:schemeClr val="tx1"/>
+                </a:solidFill>
+                <a:latin typeface="Calibri" panose="020F0502020204030204" pitchFamily="34" charset="0"/>
+              </a:defRPr>
+            </a:lvl1pPr>
+            <a:lvl2pPr marL="742950" indent="-285750">
+              <a:defRPr>
+                <a:solidFill>
+                  <a:schemeClr val="tx1"/>
+                </a:solidFill>
+                <a:latin typeface="Calibri" panose="020F0502020204030204" pitchFamily="34" charset="0"/>
+              </a:defRPr>
+            </a:lvl2pPr>
+            <a:lvl3pPr marL="1143000" indent="-228600">
+              <a:defRPr>
+                <a:solidFill>
+                  <a:schemeClr val="tx1"/>
+                </a:solidFill>
+                <a:latin typeface="Calibri" panose="020F0502020204030204" pitchFamily="34" charset="0"/>
+              </a:defRPr>
+            </a:lvl3pPr>
+            <a:lvl4pPr marL="1600200" indent="-228600">
+              <a:defRPr>
+                <a:solidFill>
+                  <a:schemeClr val="tx1"/>
+                </a:solidFill>
+                <a:latin typeface="Calibri" panose="020F0502020204030204" pitchFamily="34" charset="0"/>
+              </a:defRPr>
+            </a:lvl4pPr>
+            <a:lvl5pPr marL="2057400" indent="-228600">
+              <a:defRPr>
+                <a:solidFill>
+                  <a:schemeClr val="tx1"/>
+                </a:solidFill>
+                <a:latin typeface="Calibri" panose="020F0502020204030204" pitchFamily="34" charset="0"/>
+              </a:defRPr>
+            </a:lvl5pPr>
+            <a:lvl6pPr marL="2514600" indent="-228600" fontAlgn="base">
+              <a:spcBef>
+                <a:spcPct val="0"/>
+              </a:spcBef>
+              <a:spcAft>
+                <a:spcPct val="0"/>
+              </a:spcAft>
+              <a:defRPr>
+                <a:solidFill>
+                  <a:schemeClr val="tx1"/>
+                </a:solidFill>
+                <a:latin typeface="Calibri" panose="020F0502020204030204" pitchFamily="34" charset="0"/>
+              </a:defRPr>
+            </a:lvl6pPr>
+            <a:lvl7pPr marL="2971800" indent="-228600" fontAlgn="base">
+              <a:spcBef>
+                <a:spcPct val="0"/>
+              </a:spcBef>
+              <a:spcAft>
+                <a:spcPct val="0"/>
+              </a:spcAft>
+              <a:defRPr>
+                <a:solidFill>
+                  <a:schemeClr val="tx1"/>
+                </a:solidFill>
+                <a:latin typeface="Calibri" panose="020F0502020204030204" pitchFamily="34" charset="0"/>
+              </a:defRPr>
+            </a:lvl7pPr>
+            <a:lvl8pPr marL="3429000" indent="-228600" fontAlgn="base">
+              <a:spcBef>
+                <a:spcPct val="0"/>
+              </a:spcBef>
+              <a:spcAft>
+                <a:spcPct val="0"/>
+              </a:spcAft>
+              <a:defRPr>
+                <a:solidFill>
+                  <a:schemeClr val="tx1"/>
+                </a:solidFill>
+                <a:latin typeface="Calibri" panose="020F0502020204030204" pitchFamily="34" charset="0"/>
+              </a:defRPr>
+            </a:lvl8pPr>
+            <a:lvl9pPr marL="3886200" indent="-228600" fontAlgn="base">
+              <a:spcBef>
+                <a:spcPct val="0"/>
+              </a:spcBef>
+              <a:spcAft>
+                <a:spcPct val="0"/>
+              </a:spcAft>
+              <a:defRPr>
+                <a:solidFill>
+                  <a:schemeClr val="tx1"/>
+                </a:solidFill>
+                <a:latin typeface="Calibri" panose="020F0502020204030204" pitchFamily="34" charset="0"/>
+              </a:defRPr>
+            </a:lvl9pPr>
+          </a:lstStyle>
+          <a:p>
+            <a:r>
+              <a:rPr lang="es-AR" altLang="en-US">
+                <a:latin typeface="Tahoma" panose="020B0604030504040204" pitchFamily="34" charset="0"/>
+              </a:rPr>
+              <a:t>...</a:t>
+            </a:r>
+            <a:endParaRPr lang="es-ES" altLang="en-US">
+              <a:latin typeface="Tahoma" panose="020B0604030504040204" pitchFamily="34" charset="0"/>
+            </a:endParaRPr>
+          </a:p>
+        </p:txBody>
+      </p:sp>
+      <p:sp>
+        <p:nvSpPr>
+          <p:cNvPr id="102407" name="Rectangle 7"/>
+          <p:cNvSpPr>
+            <a:spLocks noChangeArrowheads="1"/>
+          </p:cNvSpPr>
+          <p:nvPr/>
+        </p:nvSpPr>
+        <p:spPr bwMode="auto">
+          <a:xfrm>
+            <a:off x="3048000" y="5486400"/>
+            <a:ext cx="762000" cy="609600"/>
+          </a:xfrm>
+          <a:prstGeom prst="rect">
+            <a:avLst/>
+          </a:prstGeom>
+          <a:solidFill>
+            <a:srgbClr val="3CB616"/>
+          </a:solidFill>
+          <a:ln w="9525">
+            <a:solidFill>
+              <a:schemeClr val="tx1"/>
+            </a:solidFill>
+            <a:miter lim="800000"/>
+            <a:headEnd/>
+            <a:tailEnd/>
+          </a:ln>
+        </p:spPr>
+        <p:txBody>
+          <a:bodyPr wrap="none" anchor="ctr"/>
+          <a:lstStyle>
+            <a:lvl1pPr>
+              <a:defRPr>
+                <a:solidFill>
+                  <a:schemeClr val="tx1"/>
+                </a:solidFill>
+                <a:latin typeface="Calibri" panose="020F0502020204030204" pitchFamily="34" charset="0"/>
+              </a:defRPr>
+            </a:lvl1pPr>
+            <a:lvl2pPr marL="742950" indent="-285750">
+              <a:defRPr>
+                <a:solidFill>
+                  <a:schemeClr val="tx1"/>
+                </a:solidFill>
+                <a:latin typeface="Calibri" panose="020F0502020204030204" pitchFamily="34" charset="0"/>
+              </a:defRPr>
+            </a:lvl2pPr>
+            <a:lvl3pPr marL="1143000" indent="-228600">
+              <a:defRPr>
+                <a:solidFill>
+                  <a:schemeClr val="tx1"/>
+                </a:solidFill>
+                <a:latin typeface="Calibri" panose="020F0502020204030204" pitchFamily="34" charset="0"/>
+              </a:defRPr>
+            </a:lvl3pPr>
+            <a:lvl4pPr marL="1600200" indent="-228600">
+              <a:defRPr>
+                <a:solidFill>
+                  <a:schemeClr val="tx1"/>
+                </a:solidFill>
+                <a:latin typeface="Calibri" panose="020F0502020204030204" pitchFamily="34" charset="0"/>
+              </a:defRPr>
+            </a:lvl4pPr>
+            <a:lvl5pPr marL="2057400" indent="-228600">
+              <a:defRPr>
+                <a:solidFill>
+                  <a:schemeClr val="tx1"/>
+                </a:solidFill>
+                <a:latin typeface="Calibri" panose="020F0502020204030204" pitchFamily="34" charset="0"/>
+              </a:defRPr>
+            </a:lvl5pPr>
+            <a:lvl6pPr marL="2514600" indent="-228600" fontAlgn="base">
+              <a:spcBef>
+                <a:spcPct val="0"/>
+              </a:spcBef>
+              <a:spcAft>
+                <a:spcPct val="0"/>
+              </a:spcAft>
+              <a:defRPr>
+                <a:solidFill>
+                  <a:schemeClr val="tx1"/>
+                </a:solidFill>
+                <a:latin typeface="Calibri" panose="020F0502020204030204" pitchFamily="34" charset="0"/>
+              </a:defRPr>
+            </a:lvl6pPr>
+            <a:lvl7pPr marL="2971800" indent="-228600" fontAlgn="base">
+              <a:spcBef>
+                <a:spcPct val="0"/>
+              </a:spcBef>
+              <a:spcAft>
+                <a:spcPct val="0"/>
+              </a:spcAft>
+              <a:defRPr>
+                <a:solidFill>
+                  <a:schemeClr val="tx1"/>
+                </a:solidFill>
+                <a:latin typeface="Calibri" panose="020F0502020204030204" pitchFamily="34" charset="0"/>
+              </a:defRPr>
+            </a:lvl7pPr>
+            <a:lvl8pPr marL="3429000" indent="-228600" fontAlgn="base">
+              <a:spcBef>
+                <a:spcPct val="0"/>
+              </a:spcBef>
+              <a:spcAft>
+                <a:spcPct val="0"/>
+              </a:spcAft>
+              <a:defRPr>
+                <a:solidFill>
+                  <a:schemeClr val="tx1"/>
+                </a:solidFill>
+                <a:latin typeface="Calibri" panose="020F0502020204030204" pitchFamily="34" charset="0"/>
+              </a:defRPr>
+            </a:lvl8pPr>
+            <a:lvl9pPr marL="3886200" indent="-228600" fontAlgn="base">
+              <a:spcBef>
+                <a:spcPct val="0"/>
+              </a:spcBef>
+              <a:spcAft>
+                <a:spcPct val="0"/>
+              </a:spcAft>
+              <a:defRPr>
+                <a:solidFill>
+                  <a:schemeClr val="tx1"/>
+                </a:solidFill>
+                <a:latin typeface="Calibri" panose="020F0502020204030204" pitchFamily="34" charset="0"/>
+              </a:defRPr>
+            </a:lvl9pPr>
+          </a:lstStyle>
+          <a:p>
+            <a:pPr algn="ctr"/>
+            <a:r>
+              <a:rPr lang="es-AR" altLang="en-US">
+                <a:latin typeface="Tahoma" panose="020B0604030504040204" pitchFamily="34" charset="0"/>
+              </a:rPr>
+              <a:t>xn</a:t>
+            </a:r>
+            <a:endParaRPr lang="es-ES" altLang="en-US">
+              <a:latin typeface="Tahoma" panose="020B0604030504040204" pitchFamily="34" charset="0"/>
+            </a:endParaRPr>
+          </a:p>
+        </p:txBody>
+      </p:sp>
+      <p:sp>
+        <p:nvSpPr>
+          <p:cNvPr id="102408" name="Rectangle 8"/>
+          <p:cNvSpPr>
+            <a:spLocks noChangeArrowheads="1"/>
+          </p:cNvSpPr>
+          <p:nvPr/>
+        </p:nvSpPr>
+        <p:spPr bwMode="auto">
+          <a:xfrm>
+            <a:off x="5334000" y="3581400"/>
+            <a:ext cx="762000" cy="762000"/>
+          </a:xfrm>
+          <a:prstGeom prst="rect">
+            <a:avLst/>
+          </a:prstGeom>
+          <a:solidFill>
+            <a:srgbClr val="3CB616"/>
+          </a:solidFill>
+          <a:ln w="9525">
+            <a:solidFill>
+              <a:schemeClr val="tx1"/>
+            </a:solidFill>
+            <a:miter lim="800000"/>
+            <a:headEnd/>
+            <a:tailEnd/>
+          </a:ln>
+        </p:spPr>
+        <p:txBody>
+          <a:bodyPr wrap="none" anchor="ctr"/>
+          <a:lstStyle>
+            <a:lvl1pPr>
+              <a:defRPr>
+                <a:solidFill>
+                  <a:schemeClr val="tx1"/>
+                </a:solidFill>
+                <a:latin typeface="Calibri" panose="020F0502020204030204" pitchFamily="34" charset="0"/>
+              </a:defRPr>
+            </a:lvl1pPr>
+            <a:lvl2pPr marL="742950" indent="-285750">
+              <a:defRPr>
+                <a:solidFill>
+                  <a:schemeClr val="tx1"/>
+                </a:solidFill>
+                <a:latin typeface="Calibri" panose="020F0502020204030204" pitchFamily="34" charset="0"/>
+              </a:defRPr>
+            </a:lvl2pPr>
+            <a:lvl3pPr marL="1143000" indent="-228600">
+              <a:defRPr>
+                <a:solidFill>
+                  <a:schemeClr val="tx1"/>
+                </a:solidFill>
+                <a:latin typeface="Calibri" panose="020F0502020204030204" pitchFamily="34" charset="0"/>
+              </a:defRPr>
+            </a:lvl3pPr>
+            <a:lvl4pPr marL="1600200" indent="-228600">
+              <a:defRPr>
+                <a:solidFill>
+                  <a:schemeClr val="tx1"/>
+                </a:solidFill>
+                <a:latin typeface="Calibri" panose="020F0502020204030204" pitchFamily="34" charset="0"/>
+              </a:defRPr>
+            </a:lvl4pPr>
+            <a:lvl5pPr marL="2057400" indent="-228600">
+              <a:defRPr>
+                <a:solidFill>
+                  <a:schemeClr val="tx1"/>
+                </a:solidFill>
+                <a:latin typeface="Calibri" panose="020F0502020204030204" pitchFamily="34" charset="0"/>
+              </a:defRPr>
+            </a:lvl5pPr>
+            <a:lvl6pPr marL="2514600" indent="-228600" fontAlgn="base">
+              <a:spcBef>
+                <a:spcPct val="0"/>
+              </a:spcBef>
+              <a:spcAft>
+                <a:spcPct val="0"/>
+              </a:spcAft>
+              <a:defRPr>
+                <a:solidFill>
+                  <a:schemeClr val="tx1"/>
+                </a:solidFill>
+                <a:latin typeface="Calibri" panose="020F0502020204030204" pitchFamily="34" charset="0"/>
+              </a:defRPr>
+            </a:lvl6pPr>
+            <a:lvl7pPr marL="2971800" indent="-228600" fontAlgn="base">
+              <a:spcBef>
+                <a:spcPct val="0"/>
+              </a:spcBef>
+              <a:spcAft>
+                <a:spcPct val="0"/>
+              </a:spcAft>
+              <a:defRPr>
+                <a:solidFill>
+                  <a:schemeClr val="tx1"/>
+                </a:solidFill>
+                <a:latin typeface="Calibri" panose="020F0502020204030204" pitchFamily="34" charset="0"/>
+              </a:defRPr>
+            </a:lvl7pPr>
+            <a:lvl8pPr marL="3429000" indent="-228600" fontAlgn="base">
+              <a:spcBef>
+                <a:spcPct val="0"/>
+              </a:spcBef>
+              <a:spcAft>
+                <a:spcPct val="0"/>
+              </a:spcAft>
+              <a:defRPr>
+                <a:solidFill>
+                  <a:schemeClr val="tx1"/>
+                </a:solidFill>
+                <a:latin typeface="Calibri" panose="020F0502020204030204" pitchFamily="34" charset="0"/>
+              </a:defRPr>
+            </a:lvl8pPr>
+            <a:lvl9pPr marL="3886200" indent="-228600" fontAlgn="base">
+              <a:spcBef>
+                <a:spcPct val="0"/>
+              </a:spcBef>
+              <a:spcAft>
+                <a:spcPct val="0"/>
+              </a:spcAft>
+              <a:defRPr>
+                <a:solidFill>
+                  <a:schemeClr val="tx1"/>
+                </a:solidFill>
+                <a:latin typeface="Calibri" panose="020F0502020204030204" pitchFamily="34" charset="0"/>
+              </a:defRPr>
+            </a:lvl9pPr>
+          </a:lstStyle>
+          <a:p>
+            <a:pPr algn="ctr"/>
+            <a:r>
+              <a:rPr lang="es-AR" altLang="en-US" b="1" i="1">
+                <a:latin typeface="Tahoma" panose="020B0604030504040204" pitchFamily="34" charset="0"/>
+              </a:rPr>
+              <a:t>S</a:t>
+            </a:r>
+            <a:endParaRPr lang="es-ES" altLang="en-US" b="1" i="1">
+              <a:latin typeface="Tahoma" panose="020B0604030504040204" pitchFamily="34" charset="0"/>
+            </a:endParaRPr>
+          </a:p>
+        </p:txBody>
+      </p:sp>
+      <p:sp>
+        <p:nvSpPr>
+          <p:cNvPr id="102409" name="Rectangle 9"/>
+          <p:cNvSpPr>
+            <a:spLocks noChangeArrowheads="1"/>
+          </p:cNvSpPr>
+          <p:nvPr/>
+        </p:nvSpPr>
+        <p:spPr bwMode="auto">
+          <a:xfrm>
+            <a:off x="7239000" y="3581400"/>
+            <a:ext cx="762000" cy="762000"/>
+          </a:xfrm>
+          <a:prstGeom prst="rect">
+            <a:avLst/>
+          </a:prstGeom>
+          <a:solidFill>
+            <a:srgbClr val="3CB616"/>
+          </a:solidFill>
+          <a:ln w="9525">
+            <a:solidFill>
+              <a:schemeClr val="tx1"/>
+            </a:solidFill>
+            <a:miter lim="800000"/>
+            <a:headEnd/>
+            <a:tailEnd/>
+          </a:ln>
+        </p:spPr>
+        <p:txBody>
+          <a:bodyPr wrap="none" anchor="ctr"/>
+          <a:lstStyle>
+            <a:lvl1pPr>
+              <a:defRPr>
+                <a:solidFill>
+                  <a:schemeClr val="tx1"/>
+                </a:solidFill>
+                <a:latin typeface="Calibri" panose="020F0502020204030204" pitchFamily="34" charset="0"/>
+              </a:defRPr>
+            </a:lvl1pPr>
+            <a:lvl2pPr marL="742950" indent="-285750">
+              <a:defRPr>
+                <a:solidFill>
+                  <a:schemeClr val="tx1"/>
+                </a:solidFill>
+                <a:latin typeface="Calibri" panose="020F0502020204030204" pitchFamily="34" charset="0"/>
+              </a:defRPr>
+            </a:lvl2pPr>
+            <a:lvl3pPr marL="1143000" indent="-228600">
+              <a:defRPr>
+                <a:solidFill>
+                  <a:schemeClr val="tx1"/>
+                </a:solidFill>
+                <a:latin typeface="Calibri" panose="020F0502020204030204" pitchFamily="34" charset="0"/>
+              </a:defRPr>
+            </a:lvl3pPr>
+            <a:lvl4pPr marL="1600200" indent="-228600">
+              <a:defRPr>
+                <a:solidFill>
+                  <a:schemeClr val="tx1"/>
+                </a:solidFill>
+                <a:latin typeface="Calibri" panose="020F0502020204030204" pitchFamily="34" charset="0"/>
+              </a:defRPr>
+            </a:lvl4pPr>
+            <a:lvl5pPr marL="2057400" indent="-228600">
+              <a:defRPr>
+                <a:solidFill>
+                  <a:schemeClr val="tx1"/>
+                </a:solidFill>
+                <a:latin typeface="Calibri" panose="020F0502020204030204" pitchFamily="34" charset="0"/>
+              </a:defRPr>
+            </a:lvl5pPr>
+            <a:lvl6pPr marL="2514600" indent="-228600" fontAlgn="base">
+              <a:spcBef>
+                <a:spcPct val="0"/>
+              </a:spcBef>
+              <a:spcAft>
+                <a:spcPct val="0"/>
+              </a:spcAft>
+              <a:defRPr>
+                <a:solidFill>
+                  <a:schemeClr val="tx1"/>
+                </a:solidFill>
+                <a:latin typeface="Calibri" panose="020F0502020204030204" pitchFamily="34" charset="0"/>
+              </a:defRPr>
+            </a:lvl6pPr>
+            <a:lvl7pPr marL="2971800" indent="-228600" fontAlgn="base">
+              <a:spcBef>
+                <a:spcPct val="0"/>
+              </a:spcBef>
+              <a:spcAft>
+                <a:spcPct val="0"/>
+              </a:spcAft>
+              <a:defRPr>
+                <a:solidFill>
+                  <a:schemeClr val="tx1"/>
+                </a:solidFill>
+                <a:latin typeface="Calibri" panose="020F0502020204030204" pitchFamily="34" charset="0"/>
+              </a:defRPr>
+            </a:lvl7pPr>
+            <a:lvl8pPr marL="3429000" indent="-228600" fontAlgn="base">
+              <a:spcBef>
+                <a:spcPct val="0"/>
+              </a:spcBef>
+              <a:spcAft>
+                <a:spcPct val="0"/>
+              </a:spcAft>
+              <a:defRPr>
+                <a:solidFill>
+                  <a:schemeClr val="tx1"/>
+                </a:solidFill>
+                <a:latin typeface="Calibri" panose="020F0502020204030204" pitchFamily="34" charset="0"/>
+              </a:defRPr>
+            </a:lvl8pPr>
+            <a:lvl9pPr marL="3886200" indent="-228600" fontAlgn="base">
+              <a:spcBef>
+                <a:spcPct val="0"/>
+              </a:spcBef>
+              <a:spcAft>
+                <a:spcPct val="0"/>
+              </a:spcAft>
+              <a:defRPr>
+                <a:solidFill>
+                  <a:schemeClr val="tx1"/>
+                </a:solidFill>
+                <a:latin typeface="Calibri" panose="020F0502020204030204" pitchFamily="34" charset="0"/>
+              </a:defRPr>
+            </a:lvl9pPr>
+          </a:lstStyle>
+          <a:p>
+            <a:pPr algn="ctr"/>
+            <a:r>
+              <a:rPr lang="es-AR" altLang="en-US" b="1" i="1">
+                <a:latin typeface="Tahoma" panose="020B0604030504040204" pitchFamily="34" charset="0"/>
+              </a:rPr>
+              <a:t>F(S)</a:t>
+            </a:r>
+            <a:endParaRPr lang="es-ES" altLang="en-US" b="1" i="1">
+              <a:latin typeface="Tahoma" panose="020B0604030504040204" pitchFamily="34" charset="0"/>
+            </a:endParaRPr>
+          </a:p>
+        </p:txBody>
+      </p:sp>
+      <p:sp>
+        <p:nvSpPr>
+          <p:cNvPr id="102410" name="Line 10"/>
+          <p:cNvSpPr>
+            <a:spLocks noChangeShapeType="1"/>
+          </p:cNvSpPr>
+          <p:nvPr/>
+        </p:nvSpPr>
+        <p:spPr bwMode="auto">
+          <a:xfrm>
+            <a:off x="3733800" y="2209800"/>
+            <a:ext cx="1600200" cy="1524000"/>
+          </a:xfrm>
+          <a:prstGeom prst="line">
+            <a:avLst/>
+          </a:prstGeom>
+          <a:noFill/>
+          <a:ln w="9525">
+            <a:solidFill>
+              <a:schemeClr val="tx1"/>
+            </a:solidFill>
+            <a:round/>
+            <a:headEnd/>
+            <a:tailEnd type="triangle" w="med" len="med"/>
+          </a:ln>
+          <a:extLst>
+            <a:ext uri="{909E8E84-426E-40DD-AFC4-6F175D3DCCD1}">
+              <a14:hiddenFill xmlns:a14="http://schemas.microsoft.com/office/drawing/2010/main">
+                <a:noFill/>
+              </a14:hiddenFill>
+            </a:ext>
+          </a:extLst>
+        </p:spPr>
+        <p:txBody>
+          <a:bodyPr wrap="none"/>
+          <a:lstStyle/>
+          <a:p>
+            <a:endParaRPr lang="en-US"/>
+          </a:p>
+        </p:txBody>
+      </p:sp>
+      <p:sp>
+        <p:nvSpPr>
+          <p:cNvPr id="102411" name="Line 11"/>
+          <p:cNvSpPr>
+            <a:spLocks noChangeShapeType="1"/>
+          </p:cNvSpPr>
+          <p:nvPr/>
+        </p:nvSpPr>
+        <p:spPr bwMode="auto">
+          <a:xfrm>
+            <a:off x="3733800" y="3048000"/>
+            <a:ext cx="1600200" cy="838200"/>
+          </a:xfrm>
+          <a:prstGeom prst="line">
+            <a:avLst/>
+          </a:prstGeom>
+          <a:noFill/>
+          <a:ln w="9525">
+            <a:solidFill>
+              <a:schemeClr val="tx1"/>
+            </a:solidFill>
+            <a:round/>
+            <a:headEnd/>
+            <a:tailEnd type="triangle" w="med" len="med"/>
+          </a:ln>
+          <a:extLst>
+            <a:ext uri="{909E8E84-426E-40DD-AFC4-6F175D3DCCD1}">
+              <a14:hiddenFill xmlns:a14="http://schemas.microsoft.com/office/drawing/2010/main">
+                <a:noFill/>
+              </a14:hiddenFill>
+            </a:ext>
+          </a:extLst>
+        </p:spPr>
+        <p:txBody>
+          <a:bodyPr wrap="none"/>
+          <a:lstStyle/>
+          <a:p>
+            <a:endParaRPr lang="en-US"/>
+          </a:p>
+        </p:txBody>
+      </p:sp>
+      <p:sp>
+        <p:nvSpPr>
+          <p:cNvPr id="102412" name="Line 12"/>
+          <p:cNvSpPr>
+            <a:spLocks noChangeShapeType="1"/>
+          </p:cNvSpPr>
+          <p:nvPr/>
+        </p:nvSpPr>
+        <p:spPr bwMode="auto">
+          <a:xfrm>
+            <a:off x="3733800" y="3962400"/>
+            <a:ext cx="1600200" cy="0"/>
+          </a:xfrm>
+          <a:prstGeom prst="line">
+            <a:avLst/>
+          </a:prstGeom>
+          <a:noFill/>
+          <a:ln w="9525">
+            <a:solidFill>
+              <a:schemeClr val="tx1"/>
+            </a:solidFill>
+            <a:round/>
+            <a:headEnd/>
+            <a:tailEnd type="triangle" w="med" len="med"/>
+          </a:ln>
+          <a:extLst>
+            <a:ext uri="{909E8E84-426E-40DD-AFC4-6F175D3DCCD1}">
+              <a14:hiddenFill xmlns:a14="http://schemas.microsoft.com/office/drawing/2010/main">
+                <a:noFill/>
+              </a14:hiddenFill>
+            </a:ext>
+          </a:extLst>
+        </p:spPr>
+        <p:txBody>
+          <a:bodyPr wrap="none"/>
+          <a:lstStyle/>
+          <a:p>
+            <a:endParaRPr lang="en-US"/>
+          </a:p>
+        </p:txBody>
+      </p:sp>
+      <p:sp>
+        <p:nvSpPr>
+          <p:cNvPr id="102413" name="Line 13"/>
+          <p:cNvSpPr>
+            <a:spLocks noChangeShapeType="1"/>
+          </p:cNvSpPr>
+          <p:nvPr/>
+        </p:nvSpPr>
+        <p:spPr bwMode="auto">
+          <a:xfrm flipV="1">
+            <a:off x="3810000" y="4114800"/>
+            <a:ext cx="1524000" cy="1676400"/>
+          </a:xfrm>
+          <a:prstGeom prst="line">
+            <a:avLst/>
+          </a:prstGeom>
+          <a:noFill/>
+          <a:ln w="9525">
+            <a:solidFill>
+              <a:schemeClr val="tx1"/>
+            </a:solidFill>
+            <a:round/>
+            <a:headEnd/>
+            <a:tailEnd type="triangle" w="med" len="med"/>
+          </a:ln>
+          <a:extLst>
+            <a:ext uri="{909E8E84-426E-40DD-AFC4-6F175D3DCCD1}">
+              <a14:hiddenFill xmlns:a14="http://schemas.microsoft.com/office/drawing/2010/main">
+                <a:noFill/>
+              </a14:hiddenFill>
+            </a:ext>
+          </a:extLst>
+        </p:spPr>
+        <p:txBody>
+          <a:bodyPr wrap="none"/>
+          <a:lstStyle/>
+          <a:p>
+            <a:endParaRPr lang="en-US"/>
+          </a:p>
+        </p:txBody>
+      </p:sp>
+      <p:sp>
+        <p:nvSpPr>
+          <p:cNvPr id="102414" name="Text Box 14"/>
+          <p:cNvSpPr txBox="1">
+            <a:spLocks noChangeArrowheads="1"/>
+          </p:cNvSpPr>
+          <p:nvPr/>
+        </p:nvSpPr>
+        <p:spPr bwMode="auto">
+          <a:xfrm>
+            <a:off x="4403725" y="2395538"/>
+            <a:ext cx="482824" cy="369332"/>
+          </a:xfrm>
+          <a:prstGeom prst="rect">
+            <a:avLst/>
+          </a:prstGeom>
+          <a:noFill/>
+          <a:ln>
+            <a:noFill/>
+          </a:ln>
+          <a:extLst>
+            <a:ext uri="{909E8E84-426E-40DD-AFC4-6F175D3DCCD1}">
+              <a14:hiddenFill xmlns:a14="http://schemas.microsoft.com/office/drawing/2010/main">
+                <a:solidFill>
+                  <a:srgbClr val="FFFFFF"/>
+                </a:solidFill>
+              </a14:hiddenFill>
+            </a:ext>
+            <a:ext uri="{91240B29-F687-4F45-9708-019B960494DF}">
+              <a14:hiddenLine xmlns:a14="http://schemas.microsoft.com/office/drawing/2010/main" w="9525">
+                <a:solidFill>
+                  <a:srgbClr val="000000"/>
+                </a:solidFill>
+                <a:miter lim="800000"/>
+                <a:headEnd/>
+                <a:tailEnd/>
+              </a14:hiddenLine>
+            </a:ext>
+          </a:extLst>
+        </p:spPr>
+        <p:txBody>
+          <a:bodyPr wrap="none">
+            <a:spAutoFit/>
+          </a:bodyPr>
+          <a:lstStyle>
+            <a:lvl1pPr>
+              <a:defRPr>
+                <a:solidFill>
+                  <a:schemeClr val="tx1"/>
+                </a:solidFill>
+                <a:latin typeface="Calibri" panose="020F0502020204030204" pitchFamily="34" charset="0"/>
+              </a:defRPr>
+            </a:lvl1pPr>
+            <a:lvl2pPr marL="742950" indent="-285750">
+              <a:defRPr>
+                <a:solidFill>
+                  <a:schemeClr val="tx1"/>
+                </a:solidFill>
+                <a:latin typeface="Calibri" panose="020F0502020204030204" pitchFamily="34" charset="0"/>
+              </a:defRPr>
+            </a:lvl2pPr>
+            <a:lvl3pPr marL="1143000" indent="-228600">
+              <a:defRPr>
+                <a:solidFill>
+                  <a:schemeClr val="tx1"/>
+                </a:solidFill>
+                <a:latin typeface="Calibri" panose="020F0502020204030204" pitchFamily="34" charset="0"/>
+              </a:defRPr>
+            </a:lvl3pPr>
+            <a:lvl4pPr marL="1600200" indent="-228600">
+              <a:defRPr>
+                <a:solidFill>
+                  <a:schemeClr val="tx1"/>
+                </a:solidFill>
+                <a:latin typeface="Calibri" panose="020F0502020204030204" pitchFamily="34" charset="0"/>
+              </a:defRPr>
+            </a:lvl4pPr>
+            <a:lvl5pPr marL="2057400" indent="-228600">
+              <a:defRPr>
+                <a:solidFill>
+                  <a:schemeClr val="tx1"/>
+                </a:solidFill>
+                <a:latin typeface="Calibri" panose="020F0502020204030204" pitchFamily="34" charset="0"/>
+              </a:defRPr>
+            </a:lvl5pPr>
+            <a:lvl6pPr marL="2514600" indent="-228600" fontAlgn="base">
+              <a:spcBef>
+                <a:spcPct val="0"/>
+              </a:spcBef>
+              <a:spcAft>
+                <a:spcPct val="0"/>
+              </a:spcAft>
+              <a:defRPr>
+                <a:solidFill>
+                  <a:schemeClr val="tx1"/>
+                </a:solidFill>
+                <a:latin typeface="Calibri" panose="020F0502020204030204" pitchFamily="34" charset="0"/>
+              </a:defRPr>
+            </a:lvl6pPr>
+            <a:lvl7pPr marL="2971800" indent="-228600" fontAlgn="base">
+              <a:spcBef>
+                <a:spcPct val="0"/>
+              </a:spcBef>
+              <a:spcAft>
+                <a:spcPct val="0"/>
+              </a:spcAft>
+              <a:defRPr>
+                <a:solidFill>
+                  <a:schemeClr val="tx1"/>
+                </a:solidFill>
+                <a:latin typeface="Calibri" panose="020F0502020204030204" pitchFamily="34" charset="0"/>
+              </a:defRPr>
+            </a:lvl7pPr>
+            <a:lvl8pPr marL="3429000" indent="-228600" fontAlgn="base">
+              <a:spcBef>
+                <a:spcPct val="0"/>
+              </a:spcBef>
+              <a:spcAft>
+                <a:spcPct val="0"/>
+              </a:spcAft>
+              <a:defRPr>
+                <a:solidFill>
+                  <a:schemeClr val="tx1"/>
+                </a:solidFill>
+                <a:latin typeface="Calibri" panose="020F0502020204030204" pitchFamily="34" charset="0"/>
+              </a:defRPr>
+            </a:lvl8pPr>
+            <a:lvl9pPr marL="3886200" indent="-228600" fontAlgn="base">
+              <a:spcBef>
+                <a:spcPct val="0"/>
+              </a:spcBef>
+              <a:spcAft>
+                <a:spcPct val="0"/>
+              </a:spcAft>
+              <a:defRPr>
+                <a:solidFill>
+                  <a:schemeClr val="tx1"/>
+                </a:solidFill>
+                <a:latin typeface="Calibri" panose="020F0502020204030204" pitchFamily="34" charset="0"/>
+              </a:defRPr>
+            </a:lvl9pPr>
+          </a:lstStyle>
+          <a:p>
+            <a:r>
+              <a:rPr lang="es-AR" altLang="en-US">
+                <a:latin typeface="Tahoma" panose="020B0604030504040204" pitchFamily="34" charset="0"/>
+              </a:rPr>
+              <a:t>w1</a:t>
+            </a:r>
+            <a:endParaRPr lang="es-ES" altLang="en-US">
+              <a:latin typeface="Tahoma" panose="020B0604030504040204" pitchFamily="34" charset="0"/>
+            </a:endParaRPr>
+          </a:p>
+        </p:txBody>
+      </p:sp>
+      <p:sp>
+        <p:nvSpPr>
+          <p:cNvPr id="102415" name="Text Box 15"/>
+          <p:cNvSpPr txBox="1">
+            <a:spLocks noChangeArrowheads="1"/>
+          </p:cNvSpPr>
+          <p:nvPr/>
+        </p:nvSpPr>
+        <p:spPr bwMode="auto">
+          <a:xfrm>
+            <a:off x="4175125" y="2928938"/>
+            <a:ext cx="482824" cy="369332"/>
+          </a:xfrm>
+          <a:prstGeom prst="rect">
+            <a:avLst/>
+          </a:prstGeom>
+          <a:noFill/>
+          <a:ln>
+            <a:noFill/>
+          </a:ln>
+          <a:extLst>
+            <a:ext uri="{909E8E84-426E-40DD-AFC4-6F175D3DCCD1}">
+              <a14:hiddenFill xmlns:a14="http://schemas.microsoft.com/office/drawing/2010/main">
+                <a:solidFill>
+                  <a:srgbClr val="FFFFFF"/>
+                </a:solidFill>
+              </a14:hiddenFill>
+            </a:ext>
+            <a:ext uri="{91240B29-F687-4F45-9708-019B960494DF}">
+              <a14:hiddenLine xmlns:a14="http://schemas.microsoft.com/office/drawing/2010/main" w="9525">
+                <a:solidFill>
+                  <a:srgbClr val="000000"/>
+                </a:solidFill>
+                <a:miter lim="800000"/>
+                <a:headEnd/>
+                <a:tailEnd/>
+              </a14:hiddenLine>
+            </a:ext>
+          </a:extLst>
+        </p:spPr>
+        <p:txBody>
+          <a:bodyPr wrap="none">
+            <a:spAutoFit/>
+          </a:bodyPr>
+          <a:lstStyle>
+            <a:lvl1pPr>
+              <a:defRPr>
+                <a:solidFill>
+                  <a:schemeClr val="tx1"/>
+                </a:solidFill>
+                <a:latin typeface="Calibri" panose="020F0502020204030204" pitchFamily="34" charset="0"/>
+              </a:defRPr>
+            </a:lvl1pPr>
+            <a:lvl2pPr marL="742950" indent="-285750">
+              <a:defRPr>
+                <a:solidFill>
+                  <a:schemeClr val="tx1"/>
+                </a:solidFill>
+                <a:latin typeface="Calibri" panose="020F0502020204030204" pitchFamily="34" charset="0"/>
+              </a:defRPr>
+            </a:lvl2pPr>
+            <a:lvl3pPr marL="1143000" indent="-228600">
+              <a:defRPr>
+                <a:solidFill>
+                  <a:schemeClr val="tx1"/>
+                </a:solidFill>
+                <a:latin typeface="Calibri" panose="020F0502020204030204" pitchFamily="34" charset="0"/>
+              </a:defRPr>
+            </a:lvl3pPr>
+            <a:lvl4pPr marL="1600200" indent="-228600">
+              <a:defRPr>
+                <a:solidFill>
+                  <a:schemeClr val="tx1"/>
+                </a:solidFill>
+                <a:latin typeface="Calibri" panose="020F0502020204030204" pitchFamily="34" charset="0"/>
+              </a:defRPr>
+            </a:lvl4pPr>
+            <a:lvl5pPr marL="2057400" indent="-228600">
+              <a:defRPr>
+                <a:solidFill>
+                  <a:schemeClr val="tx1"/>
+                </a:solidFill>
+                <a:latin typeface="Calibri" panose="020F0502020204030204" pitchFamily="34" charset="0"/>
+              </a:defRPr>
+            </a:lvl5pPr>
+            <a:lvl6pPr marL="2514600" indent="-228600" fontAlgn="base">
+              <a:spcBef>
+                <a:spcPct val="0"/>
+              </a:spcBef>
+              <a:spcAft>
+                <a:spcPct val="0"/>
+              </a:spcAft>
+              <a:defRPr>
+                <a:solidFill>
+                  <a:schemeClr val="tx1"/>
+                </a:solidFill>
+                <a:latin typeface="Calibri" panose="020F0502020204030204" pitchFamily="34" charset="0"/>
+              </a:defRPr>
+            </a:lvl6pPr>
+            <a:lvl7pPr marL="2971800" indent="-228600" fontAlgn="base">
+              <a:spcBef>
+                <a:spcPct val="0"/>
+              </a:spcBef>
+              <a:spcAft>
+                <a:spcPct val="0"/>
+              </a:spcAft>
+              <a:defRPr>
+                <a:solidFill>
+                  <a:schemeClr val="tx1"/>
+                </a:solidFill>
+                <a:latin typeface="Calibri" panose="020F0502020204030204" pitchFamily="34" charset="0"/>
+              </a:defRPr>
+            </a:lvl7pPr>
+            <a:lvl8pPr marL="3429000" indent="-228600" fontAlgn="base">
+              <a:spcBef>
+                <a:spcPct val="0"/>
+              </a:spcBef>
+              <a:spcAft>
+                <a:spcPct val="0"/>
+              </a:spcAft>
+              <a:defRPr>
+                <a:solidFill>
+                  <a:schemeClr val="tx1"/>
+                </a:solidFill>
+                <a:latin typeface="Calibri" panose="020F0502020204030204" pitchFamily="34" charset="0"/>
+              </a:defRPr>
+            </a:lvl8pPr>
+            <a:lvl9pPr marL="3886200" indent="-228600" fontAlgn="base">
+              <a:spcBef>
+                <a:spcPct val="0"/>
+              </a:spcBef>
+              <a:spcAft>
+                <a:spcPct val="0"/>
+              </a:spcAft>
+              <a:defRPr>
+                <a:solidFill>
+                  <a:schemeClr val="tx1"/>
+                </a:solidFill>
+                <a:latin typeface="Calibri" panose="020F0502020204030204" pitchFamily="34" charset="0"/>
+              </a:defRPr>
+            </a:lvl9pPr>
+          </a:lstStyle>
+          <a:p>
+            <a:r>
+              <a:rPr lang="es-AR" altLang="en-US">
+                <a:latin typeface="Tahoma" panose="020B0604030504040204" pitchFamily="34" charset="0"/>
+              </a:rPr>
+              <a:t>w2</a:t>
+            </a:r>
+            <a:endParaRPr lang="es-ES" altLang="en-US">
+              <a:latin typeface="Tahoma" panose="020B0604030504040204" pitchFamily="34" charset="0"/>
+            </a:endParaRPr>
+          </a:p>
+        </p:txBody>
+      </p:sp>
+      <p:sp>
+        <p:nvSpPr>
+          <p:cNvPr id="102416" name="Text Box 16"/>
+          <p:cNvSpPr txBox="1">
+            <a:spLocks noChangeArrowheads="1"/>
+          </p:cNvSpPr>
+          <p:nvPr/>
+        </p:nvSpPr>
+        <p:spPr bwMode="auto">
+          <a:xfrm>
+            <a:off x="4175125" y="3462338"/>
+            <a:ext cx="482824" cy="369332"/>
+          </a:xfrm>
+          <a:prstGeom prst="rect">
+            <a:avLst/>
+          </a:prstGeom>
+          <a:noFill/>
+          <a:ln>
+            <a:noFill/>
+          </a:ln>
+          <a:extLst>
+            <a:ext uri="{909E8E84-426E-40DD-AFC4-6F175D3DCCD1}">
+              <a14:hiddenFill xmlns:a14="http://schemas.microsoft.com/office/drawing/2010/main">
+                <a:solidFill>
+                  <a:srgbClr val="FFFFFF"/>
+                </a:solidFill>
+              </a14:hiddenFill>
+            </a:ext>
+            <a:ext uri="{91240B29-F687-4F45-9708-019B960494DF}">
+              <a14:hiddenLine xmlns:a14="http://schemas.microsoft.com/office/drawing/2010/main" w="9525">
+                <a:solidFill>
+                  <a:srgbClr val="000000"/>
+                </a:solidFill>
+                <a:miter lim="800000"/>
+                <a:headEnd/>
+                <a:tailEnd/>
+              </a14:hiddenLine>
+            </a:ext>
+          </a:extLst>
+        </p:spPr>
+        <p:txBody>
+          <a:bodyPr wrap="none">
+            <a:spAutoFit/>
+          </a:bodyPr>
+          <a:lstStyle>
+            <a:lvl1pPr>
+              <a:defRPr>
+                <a:solidFill>
+                  <a:schemeClr val="tx1"/>
+                </a:solidFill>
+                <a:latin typeface="Calibri" panose="020F0502020204030204" pitchFamily="34" charset="0"/>
+              </a:defRPr>
+            </a:lvl1pPr>
+            <a:lvl2pPr marL="742950" indent="-285750">
+              <a:defRPr>
+                <a:solidFill>
+                  <a:schemeClr val="tx1"/>
+                </a:solidFill>
+                <a:latin typeface="Calibri" panose="020F0502020204030204" pitchFamily="34" charset="0"/>
+              </a:defRPr>
+            </a:lvl2pPr>
+            <a:lvl3pPr marL="1143000" indent="-228600">
+              <a:defRPr>
+                <a:solidFill>
+                  <a:schemeClr val="tx1"/>
+                </a:solidFill>
+                <a:latin typeface="Calibri" panose="020F0502020204030204" pitchFamily="34" charset="0"/>
+              </a:defRPr>
+            </a:lvl3pPr>
+            <a:lvl4pPr marL="1600200" indent="-228600">
+              <a:defRPr>
+                <a:solidFill>
+                  <a:schemeClr val="tx1"/>
+                </a:solidFill>
+                <a:latin typeface="Calibri" panose="020F0502020204030204" pitchFamily="34" charset="0"/>
+              </a:defRPr>
+            </a:lvl4pPr>
+            <a:lvl5pPr marL="2057400" indent="-228600">
+              <a:defRPr>
+                <a:solidFill>
+                  <a:schemeClr val="tx1"/>
+                </a:solidFill>
+                <a:latin typeface="Calibri" panose="020F0502020204030204" pitchFamily="34" charset="0"/>
+              </a:defRPr>
+            </a:lvl5pPr>
+            <a:lvl6pPr marL="2514600" indent="-228600" fontAlgn="base">
+              <a:spcBef>
+                <a:spcPct val="0"/>
+              </a:spcBef>
+              <a:spcAft>
+                <a:spcPct val="0"/>
+              </a:spcAft>
+              <a:defRPr>
+                <a:solidFill>
+                  <a:schemeClr val="tx1"/>
+                </a:solidFill>
+                <a:latin typeface="Calibri" panose="020F0502020204030204" pitchFamily="34" charset="0"/>
+              </a:defRPr>
+            </a:lvl6pPr>
+            <a:lvl7pPr marL="2971800" indent="-228600" fontAlgn="base">
+              <a:spcBef>
+                <a:spcPct val="0"/>
+              </a:spcBef>
+              <a:spcAft>
+                <a:spcPct val="0"/>
+              </a:spcAft>
+              <a:defRPr>
+                <a:solidFill>
+                  <a:schemeClr val="tx1"/>
+                </a:solidFill>
+                <a:latin typeface="Calibri" panose="020F0502020204030204" pitchFamily="34" charset="0"/>
+              </a:defRPr>
+            </a:lvl7pPr>
+            <a:lvl8pPr marL="3429000" indent="-228600" fontAlgn="base">
+              <a:spcBef>
+                <a:spcPct val="0"/>
+              </a:spcBef>
+              <a:spcAft>
+                <a:spcPct val="0"/>
+              </a:spcAft>
+              <a:defRPr>
+                <a:solidFill>
+                  <a:schemeClr val="tx1"/>
+                </a:solidFill>
+                <a:latin typeface="Calibri" panose="020F0502020204030204" pitchFamily="34" charset="0"/>
+              </a:defRPr>
+            </a:lvl8pPr>
+            <a:lvl9pPr marL="3886200" indent="-228600" fontAlgn="base">
+              <a:spcBef>
+                <a:spcPct val="0"/>
+              </a:spcBef>
+              <a:spcAft>
+                <a:spcPct val="0"/>
+              </a:spcAft>
+              <a:defRPr>
+                <a:solidFill>
+                  <a:schemeClr val="tx1"/>
+                </a:solidFill>
+                <a:latin typeface="Calibri" panose="020F0502020204030204" pitchFamily="34" charset="0"/>
+              </a:defRPr>
+            </a:lvl9pPr>
+          </a:lstStyle>
+          <a:p>
+            <a:r>
+              <a:rPr lang="es-AR" altLang="en-US">
+                <a:latin typeface="Tahoma" panose="020B0604030504040204" pitchFamily="34" charset="0"/>
+              </a:rPr>
+              <a:t>w3</a:t>
+            </a:r>
+            <a:endParaRPr lang="es-ES" altLang="en-US">
+              <a:latin typeface="Tahoma" panose="020B0604030504040204" pitchFamily="34" charset="0"/>
+            </a:endParaRPr>
+          </a:p>
+        </p:txBody>
+      </p:sp>
+      <p:sp>
+        <p:nvSpPr>
+          <p:cNvPr id="102417" name="Text Box 17"/>
+          <p:cNvSpPr txBox="1">
+            <a:spLocks noChangeArrowheads="1"/>
+          </p:cNvSpPr>
+          <p:nvPr/>
+        </p:nvSpPr>
+        <p:spPr bwMode="auto">
+          <a:xfrm>
+            <a:off x="4479925" y="4910138"/>
+            <a:ext cx="484428" cy="369332"/>
+          </a:xfrm>
+          <a:prstGeom prst="rect">
+            <a:avLst/>
+          </a:prstGeom>
+          <a:noFill/>
+          <a:ln>
+            <a:noFill/>
+          </a:ln>
+          <a:extLst>
+            <a:ext uri="{909E8E84-426E-40DD-AFC4-6F175D3DCCD1}">
+              <a14:hiddenFill xmlns:a14="http://schemas.microsoft.com/office/drawing/2010/main">
+                <a:solidFill>
+                  <a:srgbClr val="FFFFFF"/>
+                </a:solidFill>
+              </a14:hiddenFill>
+            </a:ext>
+            <a:ext uri="{91240B29-F687-4F45-9708-019B960494DF}">
+              <a14:hiddenLine xmlns:a14="http://schemas.microsoft.com/office/drawing/2010/main" w="9525">
+                <a:solidFill>
+                  <a:srgbClr val="000000"/>
+                </a:solidFill>
+                <a:miter lim="800000"/>
+                <a:headEnd/>
+                <a:tailEnd/>
+              </a14:hiddenLine>
+            </a:ext>
+          </a:extLst>
+        </p:spPr>
+        <p:txBody>
+          <a:bodyPr wrap="none">
+            <a:spAutoFit/>
+          </a:bodyPr>
+          <a:lstStyle>
+            <a:lvl1pPr>
+              <a:defRPr>
+                <a:solidFill>
+                  <a:schemeClr val="tx1"/>
+                </a:solidFill>
+                <a:latin typeface="Calibri" panose="020F0502020204030204" pitchFamily="34" charset="0"/>
+              </a:defRPr>
+            </a:lvl1pPr>
+            <a:lvl2pPr marL="742950" indent="-285750">
+              <a:defRPr>
+                <a:solidFill>
+                  <a:schemeClr val="tx1"/>
+                </a:solidFill>
+                <a:latin typeface="Calibri" panose="020F0502020204030204" pitchFamily="34" charset="0"/>
+              </a:defRPr>
+            </a:lvl2pPr>
+            <a:lvl3pPr marL="1143000" indent="-228600">
+              <a:defRPr>
+                <a:solidFill>
+                  <a:schemeClr val="tx1"/>
+                </a:solidFill>
+                <a:latin typeface="Calibri" panose="020F0502020204030204" pitchFamily="34" charset="0"/>
+              </a:defRPr>
+            </a:lvl3pPr>
+            <a:lvl4pPr marL="1600200" indent="-228600">
+              <a:defRPr>
+                <a:solidFill>
+                  <a:schemeClr val="tx1"/>
+                </a:solidFill>
+                <a:latin typeface="Calibri" panose="020F0502020204030204" pitchFamily="34" charset="0"/>
+              </a:defRPr>
+            </a:lvl4pPr>
+            <a:lvl5pPr marL="2057400" indent="-228600">
+              <a:defRPr>
+                <a:solidFill>
+                  <a:schemeClr val="tx1"/>
+                </a:solidFill>
+                <a:latin typeface="Calibri" panose="020F0502020204030204" pitchFamily="34" charset="0"/>
+              </a:defRPr>
+            </a:lvl5pPr>
+            <a:lvl6pPr marL="2514600" indent="-228600" fontAlgn="base">
+              <a:spcBef>
+                <a:spcPct val="0"/>
+              </a:spcBef>
+              <a:spcAft>
+                <a:spcPct val="0"/>
+              </a:spcAft>
+              <a:defRPr>
+                <a:solidFill>
+                  <a:schemeClr val="tx1"/>
+                </a:solidFill>
+                <a:latin typeface="Calibri" panose="020F0502020204030204" pitchFamily="34" charset="0"/>
+              </a:defRPr>
+            </a:lvl6pPr>
+            <a:lvl7pPr marL="2971800" indent="-228600" fontAlgn="base">
+              <a:spcBef>
+                <a:spcPct val="0"/>
+              </a:spcBef>
+              <a:spcAft>
+                <a:spcPct val="0"/>
+              </a:spcAft>
+              <a:defRPr>
+                <a:solidFill>
+                  <a:schemeClr val="tx1"/>
+                </a:solidFill>
+                <a:latin typeface="Calibri" panose="020F0502020204030204" pitchFamily="34" charset="0"/>
+              </a:defRPr>
+            </a:lvl7pPr>
+            <a:lvl8pPr marL="3429000" indent="-228600" fontAlgn="base">
+              <a:spcBef>
+                <a:spcPct val="0"/>
+              </a:spcBef>
+              <a:spcAft>
+                <a:spcPct val="0"/>
+              </a:spcAft>
+              <a:defRPr>
+                <a:solidFill>
+                  <a:schemeClr val="tx1"/>
+                </a:solidFill>
+                <a:latin typeface="Calibri" panose="020F0502020204030204" pitchFamily="34" charset="0"/>
+              </a:defRPr>
+            </a:lvl8pPr>
+            <a:lvl9pPr marL="3886200" indent="-228600" fontAlgn="base">
+              <a:spcBef>
+                <a:spcPct val="0"/>
+              </a:spcBef>
+              <a:spcAft>
+                <a:spcPct val="0"/>
+              </a:spcAft>
+              <a:defRPr>
+                <a:solidFill>
+                  <a:schemeClr val="tx1"/>
+                </a:solidFill>
+                <a:latin typeface="Calibri" panose="020F0502020204030204" pitchFamily="34" charset="0"/>
+              </a:defRPr>
+            </a:lvl9pPr>
+          </a:lstStyle>
+          <a:p>
+            <a:r>
+              <a:rPr lang="es-AR" altLang="en-US">
+                <a:latin typeface="Tahoma" panose="020B0604030504040204" pitchFamily="34" charset="0"/>
+              </a:rPr>
+              <a:t>wn</a:t>
+            </a:r>
+            <a:endParaRPr lang="es-ES" altLang="en-US">
+              <a:latin typeface="Tahoma" panose="020B0604030504040204" pitchFamily="34" charset="0"/>
+            </a:endParaRPr>
+          </a:p>
+        </p:txBody>
+      </p:sp>
+      <p:sp>
+        <p:nvSpPr>
+          <p:cNvPr id="102418" name="Line 18"/>
+          <p:cNvSpPr>
+            <a:spLocks noChangeShapeType="1"/>
+          </p:cNvSpPr>
+          <p:nvPr/>
+        </p:nvSpPr>
+        <p:spPr bwMode="auto">
+          <a:xfrm>
+            <a:off x="6096000" y="3962400"/>
+            <a:ext cx="1143000" cy="0"/>
+          </a:xfrm>
+          <a:prstGeom prst="line">
+            <a:avLst/>
+          </a:prstGeom>
+          <a:noFill/>
+          <a:ln w="9525">
+            <a:solidFill>
+              <a:schemeClr val="tx1"/>
+            </a:solidFill>
+            <a:round/>
+            <a:headEnd/>
+            <a:tailEnd type="triangle" w="med" len="med"/>
+          </a:ln>
+          <a:extLst>
+            <a:ext uri="{909E8E84-426E-40DD-AFC4-6F175D3DCCD1}">
+              <a14:hiddenFill xmlns:a14="http://schemas.microsoft.com/office/drawing/2010/main">
+                <a:noFill/>
+              </a14:hiddenFill>
+            </a:ext>
+          </a:extLst>
+        </p:spPr>
+        <p:txBody>
+          <a:bodyPr wrap="none"/>
+          <a:lstStyle/>
+          <a:p>
+            <a:endParaRPr lang="en-US"/>
+          </a:p>
+        </p:txBody>
+      </p:sp>
+      <p:sp>
+        <p:nvSpPr>
+          <p:cNvPr id="102419" name="Line 19"/>
+          <p:cNvSpPr>
+            <a:spLocks noChangeShapeType="1"/>
+          </p:cNvSpPr>
+          <p:nvPr/>
+        </p:nvSpPr>
+        <p:spPr bwMode="auto">
+          <a:xfrm>
+            <a:off x="8001000" y="3962400"/>
+            <a:ext cx="838200" cy="0"/>
+          </a:xfrm>
+          <a:prstGeom prst="line">
+            <a:avLst/>
+          </a:prstGeom>
+          <a:noFill/>
+          <a:ln w="9525">
+            <a:solidFill>
+              <a:schemeClr val="tx1"/>
+            </a:solidFill>
+            <a:round/>
+            <a:headEnd/>
+            <a:tailEnd type="triangle" w="med" len="med"/>
+          </a:ln>
+          <a:extLst>
+            <a:ext uri="{909E8E84-426E-40DD-AFC4-6F175D3DCCD1}">
+              <a14:hiddenFill xmlns:a14="http://schemas.microsoft.com/office/drawing/2010/main">
+                <a:noFill/>
+              </a14:hiddenFill>
+            </a:ext>
+          </a:extLst>
+        </p:spPr>
+        <p:txBody>
+          <a:bodyPr wrap="none"/>
+          <a:lstStyle/>
+          <a:p>
+            <a:endParaRPr lang="en-US"/>
+          </a:p>
+        </p:txBody>
+      </p:sp>
+    </p:spTree>
+    <p:extLst>
+      <p:ext uri="{BB962C8B-B14F-4D97-AF65-F5344CB8AC3E}">
+        <p14:creationId xmlns:p14="http://schemas.microsoft.com/office/powerpoint/2010/main" val="1125210911"/>
+      </p:ext>
+    </p:extLst>
+  </p:cSld>
+  <p:clrMapOvr>
+    <a:masterClrMapping/>
+  </p:clrMapOvr>
+  <p:timing>
+    <p:tnLst>
+      <p:par>
+        <p:cTn id="1" dur="indefinite" restart="never" nodeType="tmRoot"/>
+      </p:par>
+    </p:tnLst>
+  </p:timing>
+</p:sld>
+</file>
+
 <file path=ppt/theme/theme1.xml><?xml version="1.0" encoding="utf-8"?>
 <a:theme xmlns:a="http://schemas.openxmlformats.org/drawingml/2006/main" name="Office Theme">
   <a:themeElements>
